--- a/SEMINAR-IT-SICHERHEIT/itsec.pptx
+++ b/SEMINAR-IT-SICHERHEIT/itsec.pptx
@@ -5,10 +5,10 @@
     <p:sldMasterId id="2147483678" r:id="rId1"/>
   </p:sldMasterIdLst>
   <p:notesMasterIdLst>
-    <p:notesMasterId r:id="rId17"/>
+    <p:notesMasterId r:id="rId25"/>
   </p:notesMasterIdLst>
   <p:handoutMasterIdLst>
-    <p:handoutMasterId r:id="rId18"/>
+    <p:handoutMasterId r:id="rId26"/>
   </p:handoutMasterIdLst>
   <p:sldIdLst>
     <p:sldId id="256" r:id="rId2"/>
@@ -25,7 +25,15 @@
     <p:sldId id="268" r:id="rId13"/>
     <p:sldId id="267" r:id="rId14"/>
     <p:sldId id="269" r:id="rId15"/>
-    <p:sldId id="270" r:id="rId16"/>
+    <p:sldId id="271" r:id="rId16"/>
+    <p:sldId id="270" r:id="rId17"/>
+    <p:sldId id="272" r:id="rId18"/>
+    <p:sldId id="273" r:id="rId19"/>
+    <p:sldId id="274" r:id="rId20"/>
+    <p:sldId id="275" r:id="rId21"/>
+    <p:sldId id="276" r:id="rId22"/>
+    <p:sldId id="277" r:id="rId23"/>
+    <p:sldId id="278" r:id="rId24"/>
   </p:sldIdLst>
   <p:sldSz cx="9144000" cy="6858000" type="screen4x3"/>
   <p:notesSz cx="7099300" cy="10234613"/>
@@ -5014,7 +5022,24 @@
                   <a:srgbClr val="FF0000"/>
                 </a:solidFill>
               </a:rPr>
-              <a:t>Wenn ein Nutzer die Gruppe verlässt, muss ihm der Schlüssel entzogen werden und die Daten müssen mit einem neuen Schlüssel verschlüsselt werden (alternativ neue Attribute an die berechtigten Teilnehmer)</a:t>
+              <a:t>Beim Verlassen der Gruppe </a:t>
+            </a:r>
+            <a:r>
+              <a:rPr lang="de-DE" dirty="0" smtClean="0">
+                <a:solidFill>
+                  <a:srgbClr val="FF0000"/>
+                </a:solidFill>
+                <a:sym typeface="Wingdings" pitchFamily="2" charset="2"/>
+              </a:rPr>
+              <a:t></a:t>
+            </a:r>
+            <a:r>
+              <a:rPr lang="de-DE" dirty="0" smtClean="0">
+                <a:solidFill>
+                  <a:srgbClr val="FF0000"/>
+                </a:solidFill>
+              </a:rPr>
+              <a:t> Schlüssel entziehen, erneute Verschlüsselung der Daten mit neuem Schlüssel</a:t>
             </a:r>
             <a:endParaRPr lang="de-DE" dirty="0">
               <a:solidFill>
@@ -5134,7 +5159,15 @@
           <a:p>
             <a:r>
               <a:rPr lang="de-DE" sz="600" dirty="0" smtClean="0"/>
-              <a:t>Quelle: Informatik Spektrum</a:t>
+              <a:t>Quelle: </a:t>
+            </a:r>
+            <a:r>
+              <a:rPr lang="de-DE" sz="600" dirty="0"/>
+              <a:t>Eckert C. &amp; Fallenbeck N. (2015</a:t>
+            </a:r>
+            <a:r>
+              <a:rPr lang="de-DE" sz="600" dirty="0" smtClean="0"/>
+              <a:t>)</a:t>
             </a:r>
             <a:endParaRPr lang="de-DE" sz="600" dirty="0"/>
           </a:p>
@@ -5187,8 +5220,8 @@
           <a:lstStyle/>
           <a:p>
             <a:r>
-              <a:rPr lang="de-DE" smtClean="0"/>
-              <a:t>Komponente mit beschränkten Ressourcen</a:t>
+              <a:rPr lang="de-DE" dirty="0" smtClean="0"/>
+              <a:t>Suchen nach Daten</a:t>
             </a:r>
             <a:endParaRPr lang="de-DE" dirty="0"/>
           </a:p>
@@ -5204,12 +5237,59 @@
             <p:ph idx="1"/>
           </p:nvPr>
         </p:nvSpPr>
-        <p:spPr/>
+        <p:spPr>
+          <a:xfrm>
+            <a:off x="250825" y="1619250"/>
+            <a:ext cx="8642350" cy="4862513"/>
+          </a:xfrm>
+        </p:spPr>
         <p:txBody>
           <a:bodyPr/>
           <a:lstStyle/>
           <a:p>
-            <a:endParaRPr lang="de-DE"/>
+            <a:r>
+              <a:rPr lang="de-DE" dirty="0" smtClean="0"/>
+              <a:t>Daten nur verschlüsselt vorzufinden, Problem bei der Suche!</a:t>
+            </a:r>
+          </a:p>
+          <a:p>
+            <a:endParaRPr lang="de-DE" dirty="0"/>
+          </a:p>
+          <a:p>
+            <a:r>
+              <a:rPr lang="de-DE" dirty="0" smtClean="0"/>
+              <a:t>Lösung: Searchable Encryption</a:t>
+            </a:r>
+          </a:p>
+          <a:p>
+            <a:endParaRPr lang="de-DE" dirty="0"/>
+          </a:p>
+          <a:p>
+            <a:pPr marL="285750" indent="-285750">
+              <a:buFont typeface="Symbol" pitchFamily="18" charset="2"/>
+              <a:buChar char="-"/>
+            </a:pPr>
+            <a:r>
+              <a:rPr lang="de-DE" dirty="0" smtClean="0"/>
+              <a:t>Verwendung von kryptografischen Verfahren, welche die Suche auf verschlüsselten Daten zulassen</a:t>
+            </a:r>
+          </a:p>
+          <a:p>
+            <a:pPr marL="285750" indent="-285750">
+              <a:buFont typeface="Symbol" pitchFamily="18" charset="2"/>
+              <a:buChar char="-"/>
+            </a:pPr>
+            <a:r>
+              <a:rPr lang="de-DE" dirty="0" smtClean="0"/>
+              <a:t>Nach Finden </a:t>
+            </a:r>
+            <a:r>
+              <a:rPr lang="de-DE" dirty="0" smtClean="0">
+                <a:sym typeface="Wingdings" pitchFamily="2" charset="2"/>
+              </a:rPr>
+              <a:t> Übertragung der verschlüsselten Daten zum Anwender, welcher die Daten nun entschlüsseln kann</a:t>
+            </a:r>
+            <a:endParaRPr lang="de-DE" dirty="0"/>
           </a:p>
         </p:txBody>
       </p:sp>
@@ -5233,6 +5313,282 @@
               <a:t>Titel, Datum</a:t>
             </a:r>
             <a:endParaRPr lang="de-DE"/>
+          </a:p>
+        </p:txBody>
+      </p:sp>
+    </p:spTree>
+    <p:extLst>
+      <p:ext uri="{BB962C8B-B14F-4D97-AF65-F5344CB8AC3E}">
+        <p14:creationId xmlns:p14="http://schemas.microsoft.com/office/powerpoint/2010/main" val="978853403"/>
+      </p:ext>
+    </p:extLst>
+  </p:cSld>
+  <p:clrMapOvr>
+    <a:masterClrMapping/>
+  </p:clrMapOvr>
+  <p:transition spd="slow"/>
+</p:sld>
+</file>
+
+<file path=ppt/slides/slide16.xml><?xml version="1.0" encoding="utf-8"?>
+<p:sld xmlns:a="http://schemas.openxmlformats.org/drawingml/2006/main" xmlns:r="http://schemas.openxmlformats.org/officeDocument/2006/relationships" xmlns:p="http://schemas.openxmlformats.org/presentationml/2006/main">
+  <p:cSld>
+    <p:spTree>
+      <p:nvGrpSpPr>
+        <p:cNvPr id="1" name=""/>
+        <p:cNvGrpSpPr/>
+        <p:nvPr/>
+      </p:nvGrpSpPr>
+      <p:grpSpPr>
+        <a:xfrm>
+          <a:off x="0" y="0"/>
+          <a:ext cx="0" cy="0"/>
+          <a:chOff x="0" y="0"/>
+          <a:chExt cx="0" cy="0"/>
+        </a:xfrm>
+      </p:grpSpPr>
+      <p:sp>
+        <p:nvSpPr>
+          <p:cNvPr id="2" name="Title 1"/>
+          <p:cNvSpPr>
+            <a:spLocks noGrp="1"/>
+          </p:cNvSpPr>
+          <p:nvPr>
+            <p:ph type="title"/>
+          </p:nvPr>
+        </p:nvSpPr>
+        <p:spPr/>
+        <p:txBody>
+          <a:bodyPr/>
+          <a:lstStyle/>
+          <a:p>
+            <a:r>
+              <a:rPr lang="de-DE" dirty="0" smtClean="0"/>
+              <a:t>Komponenten mit beschränkten Ressourcen</a:t>
+            </a:r>
+            <a:endParaRPr lang="de-DE" dirty="0"/>
+          </a:p>
+        </p:txBody>
+      </p:sp>
+      <p:sp>
+        <p:nvSpPr>
+          <p:cNvPr id="3" name="Content Placeholder 2"/>
+          <p:cNvSpPr>
+            <a:spLocks noGrp="1"/>
+          </p:cNvSpPr>
+          <p:nvPr>
+            <p:ph idx="1"/>
+          </p:nvPr>
+        </p:nvSpPr>
+        <p:spPr/>
+        <p:txBody>
+          <a:bodyPr/>
+          <a:lstStyle/>
+          <a:p>
+            <a:r>
+              <a:rPr lang="de-DE" dirty="0" smtClean="0"/>
+              <a:t>Was ist ein Gerät mit beschränkten Ressource</a:t>
+            </a:r>
+          </a:p>
+          <a:p>
+            <a:endParaRPr lang="de-DE" dirty="0"/>
+          </a:p>
+          <a:p>
+            <a:pPr marL="3549650" lvl="8" indent="-285750">
+              <a:buFont typeface="Symbol" pitchFamily="18" charset="2"/>
+              <a:buChar char="-"/>
+            </a:pPr>
+            <a:r>
+              <a:rPr lang="de-DE" dirty="0" smtClean="0"/>
+              <a:t>Besitzen nicht immer ein Betriebssystem</a:t>
+            </a:r>
+          </a:p>
+          <a:p>
+            <a:pPr marL="3549650" lvl="8" indent="-285750">
+              <a:buFont typeface="Symbol" pitchFamily="18" charset="2"/>
+              <a:buChar char="-"/>
+            </a:pPr>
+            <a:endParaRPr lang="de-DE" dirty="0" smtClean="0"/>
+          </a:p>
+          <a:p>
+            <a:pPr marL="3549650" lvl="8" indent="-285750">
+              <a:buFont typeface="Symbol" pitchFamily="18" charset="2"/>
+              <a:buChar char="-"/>
+            </a:pPr>
+            <a:r>
+              <a:rPr lang="de-DE" dirty="0" smtClean="0"/>
+              <a:t>Beschränkt in Größe und Leistung</a:t>
+            </a:r>
+          </a:p>
+          <a:p>
+            <a:pPr marL="3549650" lvl="8" indent="-285750">
+              <a:buFont typeface="Symbol" pitchFamily="18" charset="2"/>
+              <a:buChar char="-"/>
+            </a:pPr>
+            <a:endParaRPr lang="de-DE" dirty="0" smtClean="0"/>
+          </a:p>
+          <a:p>
+            <a:pPr marL="3549650" lvl="8" indent="-285750">
+              <a:buFont typeface="Symbol" pitchFamily="18" charset="2"/>
+              <a:buChar char="-"/>
+            </a:pPr>
+            <a:r>
+              <a:rPr lang="de-DE" dirty="0" smtClean="0"/>
+              <a:t>Müssen sparsam sein</a:t>
+            </a:r>
+          </a:p>
+          <a:p>
+            <a:pPr marL="3549650" lvl="8" indent="-285750">
+              <a:buFont typeface="Symbol" pitchFamily="18" charset="2"/>
+              <a:buChar char="-"/>
+            </a:pPr>
+            <a:endParaRPr lang="de-DE" dirty="0" smtClean="0"/>
+          </a:p>
+          <a:p>
+            <a:pPr marL="3549650" lvl="8" indent="-285750">
+              <a:buFont typeface="Symbol" pitchFamily="18" charset="2"/>
+              <a:buChar char="-"/>
+            </a:pPr>
+            <a:r>
+              <a:rPr lang="de-DE" dirty="0" smtClean="0"/>
+              <a:t>Müssen dabei schnell bleiben</a:t>
+            </a:r>
+          </a:p>
+          <a:p>
+            <a:pPr lvl="8" indent="0">
+              <a:buNone/>
+            </a:pPr>
+            <a:endParaRPr lang="de-DE" dirty="0" smtClean="0"/>
+          </a:p>
+          <a:p>
+            <a:pPr marL="3549650" lvl="8" indent="-285750">
+              <a:buFont typeface="Symbol" pitchFamily="18" charset="2"/>
+              <a:buChar char="-"/>
+            </a:pPr>
+            <a:r>
+              <a:rPr lang="de-DE" dirty="0" smtClean="0"/>
+              <a:t>Müssen zuverlässig sein</a:t>
+            </a:r>
+            <a:endParaRPr lang="de-DE" dirty="0"/>
+          </a:p>
+        </p:txBody>
+      </p:sp>
+      <p:sp>
+        <p:nvSpPr>
+          <p:cNvPr id="4" name="Footer Placeholder 3"/>
+          <p:cNvSpPr>
+            <a:spLocks noGrp="1"/>
+          </p:cNvSpPr>
+          <p:nvPr>
+            <p:ph type="ftr" sz="quarter" idx="10"/>
+          </p:nvPr>
+        </p:nvSpPr>
+        <p:spPr/>
+        <p:txBody>
+          <a:bodyPr/>
+          <a:lstStyle/>
+          <a:p>
+            <a:r>
+              <a:rPr lang="de-DE" smtClean="0"/>
+              <a:t>Titel, Datum</a:t>
+            </a:r>
+            <a:endParaRPr lang="de-DE"/>
+          </a:p>
+        </p:txBody>
+      </p:sp>
+      <p:pic>
+        <p:nvPicPr>
+          <p:cNvPr id="1027" name="Picture 3"/>
+          <p:cNvPicPr>
+            <a:picLocks noChangeAspect="1" noChangeArrowheads="1"/>
+          </p:cNvPicPr>
+          <p:nvPr/>
+        </p:nvPicPr>
+        <p:blipFill>
+          <a:blip r:embed="rId2">
+            <a:extLst>
+              <a:ext uri="{28A0092B-C50C-407E-A947-70E740481C1C}">
+                <a14:useLocalDpi xmlns:a14="http://schemas.microsoft.com/office/drawing/2010/main" val="0"/>
+              </a:ext>
+            </a:extLst>
+          </a:blip>
+          <a:srcRect/>
+          <a:stretch>
+            <a:fillRect/>
+          </a:stretch>
+        </p:blipFill>
+        <p:spPr bwMode="auto">
+          <a:xfrm>
+            <a:off x="0" y="2196482"/>
+            <a:ext cx="3517483" cy="2440254"/>
+          </a:xfrm>
+          <a:prstGeom prst="rect">
+            <a:avLst/>
+          </a:prstGeom>
+          <a:noFill/>
+          <a:ln>
+            <a:noFill/>
+          </a:ln>
+          <a:effectLst/>
+          <a:extLst>
+            <a:ext uri="{909E8E84-426E-40DD-AFC4-6F175D3DCCD1}">
+              <a14:hiddenFill xmlns:a14="http://schemas.microsoft.com/office/drawing/2010/main">
+                <a:solidFill>
+                  <a:schemeClr val="accent1"/>
+                </a:solidFill>
+              </a14:hiddenFill>
+            </a:ext>
+            <a:ext uri="{91240B29-F687-4F45-9708-019B960494DF}">
+              <a14:hiddenLine xmlns:a14="http://schemas.microsoft.com/office/drawing/2010/main" w="9525">
+                <a:solidFill>
+                  <a:schemeClr val="tx1"/>
+                </a:solidFill>
+                <a:miter lim="800000"/>
+                <a:headEnd/>
+                <a:tailEnd/>
+              </a14:hiddenLine>
+            </a:ext>
+            <a:ext uri="{AF507438-7753-43E0-B8FC-AC1667EBCBE1}">
+              <a14:hiddenEffects xmlns:a14="http://schemas.microsoft.com/office/drawing/2010/main">
+                <a:effectLst>
+                  <a:outerShdw dist="35921" dir="2700000" algn="ctr" rotWithShape="0">
+                    <a:schemeClr val="bg2"/>
+                  </a:outerShdw>
+                </a:effectLst>
+              </a14:hiddenEffects>
+            </a:ext>
+          </a:extLst>
+        </p:spPr>
+      </p:pic>
+      <p:sp>
+        <p:nvSpPr>
+          <p:cNvPr id="5" name="Rectangle 4"/>
+          <p:cNvSpPr/>
+          <p:nvPr/>
+        </p:nvSpPr>
+        <p:spPr>
+          <a:xfrm>
+            <a:off x="0" y="4544403"/>
+            <a:ext cx="4572000" cy="184666"/>
+          </a:xfrm>
+          <a:prstGeom prst="rect">
+            <a:avLst/>
+          </a:prstGeom>
+        </p:spPr>
+        <p:txBody>
+          <a:bodyPr>
+            <a:spAutoFit/>
+          </a:bodyPr>
+          <a:lstStyle/>
+          <a:p>
+            <a:r>
+              <a:rPr lang="de-DE" sz="600" dirty="0" smtClean="0"/>
+              <a:t>Quelle: http</a:t>
+            </a:r>
+            <a:r>
+              <a:rPr lang="de-DE" sz="600" dirty="0"/>
+              <a:t>://www.cs.berkeley.edu/~prabal/research/embedded/epic.jpg</a:t>
+            </a:r>
           </a:p>
         </p:txBody>
       </p:sp>
@@ -5240,6 +5596,542 @@
     <p:extLst>
       <p:ext uri="{BB962C8B-B14F-4D97-AF65-F5344CB8AC3E}">
         <p14:creationId xmlns:p14="http://schemas.microsoft.com/office/powerpoint/2010/main" val="304489107"/>
+      </p:ext>
+    </p:extLst>
+  </p:cSld>
+  <p:clrMapOvr>
+    <a:masterClrMapping/>
+  </p:clrMapOvr>
+  <p:transition spd="slow"/>
+</p:sld>
+</file>
+
+<file path=ppt/slides/slide17.xml><?xml version="1.0" encoding="utf-8"?>
+<p:sld xmlns:a="http://schemas.openxmlformats.org/drawingml/2006/main" xmlns:r="http://schemas.openxmlformats.org/officeDocument/2006/relationships" xmlns:p="http://schemas.openxmlformats.org/presentationml/2006/main">
+  <p:cSld>
+    <p:spTree>
+      <p:nvGrpSpPr>
+        <p:cNvPr id="1" name=""/>
+        <p:cNvGrpSpPr/>
+        <p:nvPr/>
+      </p:nvGrpSpPr>
+      <p:grpSpPr>
+        <a:xfrm>
+          <a:off x="0" y="0"/>
+          <a:ext cx="0" cy="0"/>
+          <a:chOff x="0" y="0"/>
+          <a:chExt cx="0" cy="0"/>
+        </a:xfrm>
+      </p:grpSpPr>
+      <p:sp>
+        <p:nvSpPr>
+          <p:cNvPr id="2" name="Title 1"/>
+          <p:cNvSpPr>
+            <a:spLocks noGrp="1"/>
+          </p:cNvSpPr>
+          <p:nvPr>
+            <p:ph type="title"/>
+          </p:nvPr>
+        </p:nvSpPr>
+        <p:spPr/>
+        <p:txBody>
+          <a:bodyPr/>
+          <a:lstStyle/>
+          <a:p>
+            <a:r>
+              <a:rPr lang="de-DE" dirty="0" smtClean="0"/>
+              <a:t>Sicherheit eines solchen Geräts	</a:t>
+            </a:r>
+            <a:endParaRPr lang="de-DE" dirty="0"/>
+          </a:p>
+        </p:txBody>
+      </p:sp>
+      <p:sp>
+        <p:nvSpPr>
+          <p:cNvPr id="3" name="Content Placeholder 2"/>
+          <p:cNvSpPr>
+            <a:spLocks noGrp="1"/>
+          </p:cNvSpPr>
+          <p:nvPr>
+            <p:ph idx="1"/>
+          </p:nvPr>
+        </p:nvSpPr>
+        <p:spPr/>
+        <p:txBody>
+          <a:bodyPr/>
+          <a:lstStyle/>
+          <a:p>
+            <a:r>
+              <a:rPr lang="de-DE" dirty="0" smtClean="0"/>
+              <a:t>Zwei verschiedene Sicherheitsbereiche:</a:t>
+            </a:r>
+          </a:p>
+          <a:p>
+            <a:endParaRPr lang="de-DE" dirty="0"/>
+          </a:p>
+          <a:p>
+            <a:pPr marL="285750" indent="-285750">
+              <a:buFont typeface="Symbol" pitchFamily="18" charset="2"/>
+              <a:buChar char="-"/>
+            </a:pPr>
+            <a:r>
+              <a:rPr lang="de-DE" dirty="0" smtClean="0"/>
+              <a:t>Sicherheit bei der Datenübertragung</a:t>
+            </a:r>
+          </a:p>
+          <a:p>
+            <a:pPr marL="285750" indent="-285750">
+              <a:buFont typeface="Symbol" pitchFamily="18" charset="2"/>
+              <a:buChar char="-"/>
+            </a:pPr>
+            <a:r>
+              <a:rPr lang="de-DE" dirty="0" smtClean="0"/>
+              <a:t>Absicherung des Gerätes selbst</a:t>
+            </a:r>
+          </a:p>
+          <a:p>
+            <a:endParaRPr lang="de-DE" dirty="0" smtClean="0"/>
+          </a:p>
+          <a:p>
+            <a:endParaRPr lang="de-DE" dirty="0"/>
+          </a:p>
+          <a:p>
+            <a:endParaRPr lang="de-DE" dirty="0" smtClean="0"/>
+          </a:p>
+          <a:p>
+            <a:r>
+              <a:rPr lang="de-DE" dirty="0" smtClean="0"/>
+              <a:t>Die Verschlüsselung der Datenströme unterscheidet sich nur bedingt von bekannten Systemen, wir konzentrieren uns auf die Absicherung des Gerätes selbst</a:t>
+            </a:r>
+          </a:p>
+        </p:txBody>
+      </p:sp>
+      <p:sp>
+        <p:nvSpPr>
+          <p:cNvPr id="4" name="Footer Placeholder 3"/>
+          <p:cNvSpPr>
+            <a:spLocks noGrp="1"/>
+          </p:cNvSpPr>
+          <p:nvPr>
+            <p:ph type="ftr" sz="quarter" idx="10"/>
+          </p:nvPr>
+        </p:nvSpPr>
+        <p:spPr/>
+        <p:txBody>
+          <a:bodyPr/>
+          <a:lstStyle/>
+          <a:p>
+            <a:r>
+              <a:rPr lang="de-DE" smtClean="0"/>
+              <a:t>Titel, Datum</a:t>
+            </a:r>
+            <a:endParaRPr lang="de-DE"/>
+          </a:p>
+        </p:txBody>
+      </p:sp>
+    </p:spTree>
+    <p:extLst>
+      <p:ext uri="{BB962C8B-B14F-4D97-AF65-F5344CB8AC3E}">
+        <p14:creationId xmlns:p14="http://schemas.microsoft.com/office/powerpoint/2010/main" val="3892643285"/>
+      </p:ext>
+    </p:extLst>
+  </p:cSld>
+  <p:clrMapOvr>
+    <a:masterClrMapping/>
+  </p:clrMapOvr>
+  <p:transition spd="slow"/>
+</p:sld>
+</file>
+
+<file path=ppt/slides/slide18.xml><?xml version="1.0" encoding="utf-8"?>
+<p:sld xmlns:a="http://schemas.openxmlformats.org/drawingml/2006/main" xmlns:r="http://schemas.openxmlformats.org/officeDocument/2006/relationships" xmlns:p="http://schemas.openxmlformats.org/presentationml/2006/main">
+  <p:cSld>
+    <p:spTree>
+      <p:nvGrpSpPr>
+        <p:cNvPr id="1" name=""/>
+        <p:cNvGrpSpPr/>
+        <p:nvPr/>
+      </p:nvGrpSpPr>
+      <p:grpSpPr>
+        <a:xfrm>
+          <a:off x="0" y="0"/>
+          <a:ext cx="0" cy="0"/>
+          <a:chOff x="0" y="0"/>
+          <a:chExt cx="0" cy="0"/>
+        </a:xfrm>
+      </p:grpSpPr>
+      <p:sp>
+        <p:nvSpPr>
+          <p:cNvPr id="2" name="Title 1"/>
+          <p:cNvSpPr>
+            <a:spLocks noGrp="1"/>
+          </p:cNvSpPr>
+          <p:nvPr>
+            <p:ph type="title"/>
+          </p:nvPr>
+        </p:nvSpPr>
+        <p:spPr/>
+        <p:txBody>
+          <a:bodyPr/>
+          <a:lstStyle/>
+          <a:p>
+            <a:r>
+              <a:rPr lang="de-DE" dirty="0" smtClean="0"/>
+              <a:t>Warum muss man das Gerät absichern?</a:t>
+            </a:r>
+            <a:endParaRPr lang="de-DE" dirty="0"/>
+          </a:p>
+        </p:txBody>
+      </p:sp>
+      <p:sp>
+        <p:nvSpPr>
+          <p:cNvPr id="3" name="Content Placeholder 2"/>
+          <p:cNvSpPr>
+            <a:spLocks noGrp="1"/>
+          </p:cNvSpPr>
+          <p:nvPr>
+            <p:ph idx="1"/>
+          </p:nvPr>
+        </p:nvSpPr>
+        <p:spPr/>
+        <p:txBody>
+          <a:bodyPr/>
+          <a:lstStyle/>
+          <a:p>
+            <a:r>
+              <a:rPr lang="de-DE" dirty="0" smtClean="0"/>
+              <a:t>Ein Arbeiter könnte ein Gerät manipulieren, was tun?</a:t>
+            </a:r>
+          </a:p>
+          <a:p>
+            <a:endParaRPr lang="de-DE" dirty="0"/>
+          </a:p>
+          <a:p>
+            <a:endParaRPr lang="de-DE" dirty="0" smtClean="0"/>
+          </a:p>
+          <a:p>
+            <a:r>
+              <a:rPr lang="de-DE" b="1" dirty="0" smtClean="0"/>
+              <a:t>PUFs</a:t>
+            </a:r>
+            <a:r>
+              <a:rPr lang="de-DE" dirty="0" smtClean="0"/>
+              <a:t> (Physical Unclonable Functions) können verwendet werden um Produktteile zu identifizieren</a:t>
+            </a:r>
+          </a:p>
+          <a:p>
+            <a:endParaRPr lang="de-DE" b="1" dirty="0"/>
+          </a:p>
+          <a:p>
+            <a:r>
+              <a:rPr lang="de-DE" dirty="0" smtClean="0"/>
+              <a:t>Ebenfalls werden Schlüssel sicher im System gespeichert (</a:t>
+            </a:r>
+            <a:r>
+              <a:rPr lang="de-DE" b="1" dirty="0" smtClean="0"/>
+              <a:t>SoC)</a:t>
+            </a:r>
+          </a:p>
+          <a:p>
+            <a:r>
+              <a:rPr lang="de-DE" b="1" dirty="0" smtClean="0"/>
+              <a:t>				</a:t>
+            </a:r>
+          </a:p>
+          <a:p>
+            <a:r>
+              <a:rPr lang="de-DE" b="1" dirty="0"/>
+              <a:t>	</a:t>
+            </a:r>
+            <a:r>
+              <a:rPr lang="de-DE" b="1" dirty="0" smtClean="0"/>
+              <a:t>			</a:t>
+            </a:r>
+            <a:r>
+              <a:rPr lang="de-DE" dirty="0" smtClean="0"/>
+              <a:t>Auf</a:t>
+            </a:r>
+            <a:r>
+              <a:rPr lang="de-DE" b="1" dirty="0" smtClean="0"/>
+              <a:t> </a:t>
+            </a:r>
+            <a:r>
+              <a:rPr lang="de-DE" dirty="0" smtClean="0"/>
+              <a:t>Secure ROM kann physisch nicht zugegriffen 				werden</a:t>
+            </a:r>
+          </a:p>
+          <a:p>
+            <a:endParaRPr lang="de-DE" b="1" dirty="0"/>
+          </a:p>
+          <a:p>
+            <a:r>
+              <a:rPr lang="de-DE" b="1" dirty="0" smtClean="0"/>
+              <a:t>				</a:t>
+            </a:r>
+            <a:r>
+              <a:rPr lang="de-DE" dirty="0" smtClean="0"/>
+              <a:t>Die Buse des SoC können nicht abgehört 					werden</a:t>
+            </a:r>
+            <a:endParaRPr lang="de-DE" b="1" dirty="0"/>
+          </a:p>
+        </p:txBody>
+      </p:sp>
+      <p:sp>
+        <p:nvSpPr>
+          <p:cNvPr id="4" name="Footer Placeholder 3"/>
+          <p:cNvSpPr>
+            <a:spLocks noGrp="1"/>
+          </p:cNvSpPr>
+          <p:nvPr>
+            <p:ph type="ftr" sz="quarter" idx="10"/>
+          </p:nvPr>
+        </p:nvSpPr>
+        <p:spPr/>
+        <p:txBody>
+          <a:bodyPr/>
+          <a:lstStyle/>
+          <a:p>
+            <a:r>
+              <a:rPr lang="de-DE" smtClean="0"/>
+              <a:t>Titel, Datum</a:t>
+            </a:r>
+            <a:endParaRPr lang="de-DE"/>
+          </a:p>
+        </p:txBody>
+      </p:sp>
+      <p:pic>
+        <p:nvPicPr>
+          <p:cNvPr id="5" name="Picture 4"/>
+          <p:cNvPicPr>
+            <a:picLocks noChangeAspect="1"/>
+          </p:cNvPicPr>
+          <p:nvPr/>
+        </p:nvPicPr>
+        <p:blipFill>
+          <a:blip r:embed="rId2">
+            <a:extLst>
+              <a:ext uri="{28A0092B-C50C-407E-A947-70E740481C1C}">
+                <a14:useLocalDpi xmlns:a14="http://schemas.microsoft.com/office/drawing/2010/main" val="0"/>
+              </a:ext>
+            </a:extLst>
+          </a:blip>
+          <a:stretch>
+            <a:fillRect/>
+          </a:stretch>
+        </p:blipFill>
+        <p:spPr>
+          <a:xfrm>
+            <a:off x="194208" y="4047035"/>
+            <a:ext cx="3528127" cy="2099666"/>
+          </a:xfrm>
+          <a:prstGeom prst="rect">
+            <a:avLst/>
+          </a:prstGeom>
+        </p:spPr>
+      </p:pic>
+      <p:sp>
+        <p:nvSpPr>
+          <p:cNvPr id="6" name="Rectangle 5"/>
+          <p:cNvSpPr/>
+          <p:nvPr/>
+        </p:nvSpPr>
+        <p:spPr>
+          <a:xfrm>
+            <a:off x="194208" y="6146701"/>
+            <a:ext cx="4572000" cy="184666"/>
+          </a:xfrm>
+          <a:prstGeom prst="rect">
+            <a:avLst/>
+          </a:prstGeom>
+        </p:spPr>
+        <p:txBody>
+          <a:bodyPr>
+            <a:spAutoFit/>
+          </a:bodyPr>
+          <a:lstStyle/>
+          <a:p>
+            <a:r>
+              <a:rPr lang="de-DE" sz="600" dirty="0" smtClean="0"/>
+              <a:t>Quelle: </a:t>
+            </a:r>
+            <a:r>
+              <a:rPr lang="de-DE" sz="600" dirty="0"/>
+              <a:t>Anoop MS (2008</a:t>
+            </a:r>
+            <a:r>
+              <a:rPr lang="de-DE" sz="600" dirty="0" smtClean="0"/>
+              <a:t>)</a:t>
+            </a:r>
+            <a:endParaRPr lang="de-DE" sz="600" dirty="0"/>
+          </a:p>
+        </p:txBody>
+      </p:sp>
+    </p:spTree>
+    <p:extLst>
+      <p:ext uri="{BB962C8B-B14F-4D97-AF65-F5344CB8AC3E}">
+        <p14:creationId xmlns:p14="http://schemas.microsoft.com/office/powerpoint/2010/main" val="4234591350"/>
+      </p:ext>
+    </p:extLst>
+  </p:cSld>
+  <p:clrMapOvr>
+    <a:masterClrMapping/>
+  </p:clrMapOvr>
+  <p:transition spd="slow"/>
+</p:sld>
+</file>
+
+<file path=ppt/slides/slide19.xml><?xml version="1.0" encoding="utf-8"?>
+<p:sld xmlns:a="http://schemas.openxmlformats.org/drawingml/2006/main" xmlns:r="http://schemas.openxmlformats.org/officeDocument/2006/relationships" xmlns:p="http://schemas.openxmlformats.org/presentationml/2006/main">
+  <p:cSld>
+    <p:spTree>
+      <p:nvGrpSpPr>
+        <p:cNvPr id="1" name=""/>
+        <p:cNvGrpSpPr/>
+        <p:nvPr/>
+      </p:nvGrpSpPr>
+      <p:grpSpPr>
+        <a:xfrm>
+          <a:off x="0" y="0"/>
+          <a:ext cx="0" cy="0"/>
+          <a:chOff x="0" y="0"/>
+          <a:chExt cx="0" cy="0"/>
+        </a:xfrm>
+      </p:grpSpPr>
+      <p:sp>
+        <p:nvSpPr>
+          <p:cNvPr id="2" name="Title 1"/>
+          <p:cNvSpPr>
+            <a:spLocks noGrp="1"/>
+          </p:cNvSpPr>
+          <p:nvPr>
+            <p:ph type="title"/>
+          </p:nvPr>
+        </p:nvSpPr>
+        <p:spPr/>
+        <p:txBody>
+          <a:bodyPr/>
+          <a:lstStyle/>
+          <a:p>
+            <a:r>
+              <a:rPr lang="de-DE" dirty="0" smtClean="0"/>
+              <a:t>Physical Unclonable Function</a:t>
+            </a:r>
+            <a:endParaRPr lang="de-DE" dirty="0"/>
+          </a:p>
+        </p:txBody>
+      </p:sp>
+      <p:sp>
+        <p:nvSpPr>
+          <p:cNvPr id="3" name="Content Placeholder 2"/>
+          <p:cNvSpPr>
+            <a:spLocks noGrp="1"/>
+          </p:cNvSpPr>
+          <p:nvPr>
+            <p:ph idx="1"/>
+          </p:nvPr>
+        </p:nvSpPr>
+        <p:spPr/>
+        <p:txBody>
+          <a:bodyPr/>
+          <a:lstStyle/>
+          <a:p>
+            <a:pPr marL="285750" indent="-285750">
+              <a:buFont typeface="Symbol" pitchFamily="18" charset="2"/>
+              <a:buChar char="-"/>
+            </a:pPr>
+            <a:r>
+              <a:rPr lang="de-DE" dirty="0" smtClean="0"/>
+              <a:t>Idee: keine zwei Stromkreise sind identisch!</a:t>
+            </a:r>
+          </a:p>
+          <a:p>
+            <a:pPr marL="285750" indent="-285750">
+              <a:buFont typeface="Symbol" pitchFamily="18" charset="2"/>
+              <a:buChar char="-"/>
+            </a:pPr>
+            <a:endParaRPr lang="de-DE" dirty="0" smtClean="0"/>
+          </a:p>
+          <a:p>
+            <a:pPr marL="285750" indent="-285750">
+              <a:buFont typeface="Symbol" pitchFamily="18" charset="2"/>
+              <a:buChar char="-"/>
+            </a:pPr>
+            <a:r>
+              <a:rPr lang="de-DE" dirty="0" smtClean="0"/>
+              <a:t>Eine PUF erzeugt ein Geheimnis, welches ein Produktteil identifizieren/ authentifizieren kann</a:t>
+            </a:r>
+          </a:p>
+          <a:p>
+            <a:pPr marL="285750" indent="-285750">
+              <a:buFont typeface="Symbol" pitchFamily="18" charset="2"/>
+              <a:buChar char="-"/>
+            </a:pPr>
+            <a:endParaRPr lang="de-DE" dirty="0"/>
+          </a:p>
+          <a:p>
+            <a:pPr marL="285750" indent="-285750">
+              <a:buFont typeface="Symbol" pitchFamily="18" charset="2"/>
+              <a:buChar char="-"/>
+            </a:pPr>
+            <a:r>
+              <a:rPr lang="de-DE" dirty="0" smtClean="0"/>
+              <a:t>Sie muss einfach durchzuführen sein, aber schwer zu fälschen</a:t>
+            </a:r>
+          </a:p>
+          <a:p>
+            <a:pPr marL="285750" indent="-285750">
+              <a:buFont typeface="Symbol" pitchFamily="18" charset="2"/>
+              <a:buChar char="-"/>
+            </a:pPr>
+            <a:endParaRPr lang="de-DE" dirty="0"/>
+          </a:p>
+          <a:p>
+            <a:pPr marL="285750" indent="-285750">
+              <a:buFont typeface="Symbol" pitchFamily="18" charset="2"/>
+              <a:buChar char="-"/>
+            </a:pPr>
+            <a:r>
+              <a:rPr lang="de-DE" dirty="0" smtClean="0"/>
+              <a:t>Hardwareversion einer Einwegfunktion (will man erreichen)</a:t>
+            </a:r>
+            <a:endParaRPr lang="de-DE" dirty="0"/>
+          </a:p>
+          <a:p>
+            <a:pPr marL="285750" indent="-285750">
+              <a:buFont typeface="Symbol" pitchFamily="18" charset="2"/>
+              <a:buChar char="-"/>
+            </a:pPr>
+            <a:endParaRPr lang="de-DE" dirty="0"/>
+          </a:p>
+        </p:txBody>
+      </p:sp>
+      <p:sp>
+        <p:nvSpPr>
+          <p:cNvPr id="4" name="Footer Placeholder 3"/>
+          <p:cNvSpPr>
+            <a:spLocks noGrp="1"/>
+          </p:cNvSpPr>
+          <p:nvPr>
+            <p:ph type="ftr" sz="quarter" idx="10"/>
+          </p:nvPr>
+        </p:nvSpPr>
+        <p:spPr/>
+        <p:txBody>
+          <a:bodyPr/>
+          <a:lstStyle/>
+          <a:p>
+            <a:r>
+              <a:rPr lang="de-DE" smtClean="0"/>
+              <a:t>Titel, Datum</a:t>
+            </a:r>
+            <a:endParaRPr lang="de-DE"/>
+          </a:p>
+        </p:txBody>
+      </p:sp>
+    </p:spTree>
+    <p:extLst>
+      <p:ext uri="{BB962C8B-B14F-4D97-AF65-F5344CB8AC3E}">
+        <p14:creationId xmlns:p14="http://schemas.microsoft.com/office/powerpoint/2010/main" val="1924049037"/>
       </p:ext>
     </p:extLst>
   </p:cSld>
@@ -5310,7 +6202,6 @@
               <a:rPr lang="de-DE" dirty="0" smtClean="0"/>
               <a:t>IKT-Bereiche in Unternehmen</a:t>
             </a:r>
-            <a:endParaRPr lang="de-DE" dirty="0" smtClean="0"/>
           </a:p>
         </p:txBody>
       </p:sp>
@@ -5553,6 +6444,874 @@
 </p:sld>
 </file>
 
+<file path=ppt/slides/slide20.xml><?xml version="1.0" encoding="utf-8"?>
+<p:sld xmlns:a="http://schemas.openxmlformats.org/drawingml/2006/main" xmlns:r="http://schemas.openxmlformats.org/officeDocument/2006/relationships" xmlns:p="http://schemas.openxmlformats.org/presentationml/2006/main">
+  <p:cSld>
+    <p:spTree>
+      <p:nvGrpSpPr>
+        <p:cNvPr id="1" name=""/>
+        <p:cNvGrpSpPr/>
+        <p:nvPr/>
+      </p:nvGrpSpPr>
+      <p:grpSpPr>
+        <a:xfrm>
+          <a:off x="0" y="0"/>
+          <a:ext cx="0" cy="0"/>
+          <a:chOff x="0" y="0"/>
+          <a:chExt cx="0" cy="0"/>
+        </a:xfrm>
+      </p:grpSpPr>
+      <p:sp>
+        <p:nvSpPr>
+          <p:cNvPr id="2" name="Title 1"/>
+          <p:cNvSpPr>
+            <a:spLocks noGrp="1"/>
+          </p:cNvSpPr>
+          <p:nvPr>
+            <p:ph type="title"/>
+          </p:nvPr>
+        </p:nvSpPr>
+        <p:spPr/>
+        <p:txBody>
+          <a:bodyPr/>
+          <a:lstStyle/>
+          <a:p>
+            <a:r>
+              <a:rPr lang="de-DE" dirty="0" smtClean="0"/>
+              <a:t>PUF – Ein Beispiel</a:t>
+            </a:r>
+            <a:endParaRPr lang="de-DE" dirty="0"/>
+          </a:p>
+        </p:txBody>
+      </p:sp>
+      <p:sp>
+        <p:nvSpPr>
+          <p:cNvPr id="3" name="Content Placeholder 2"/>
+          <p:cNvSpPr>
+            <a:spLocks noGrp="1"/>
+          </p:cNvSpPr>
+          <p:nvPr>
+            <p:ph idx="1"/>
+          </p:nvPr>
+        </p:nvSpPr>
+        <p:spPr/>
+        <p:txBody>
+          <a:bodyPr/>
+          <a:lstStyle/>
+          <a:p>
+            <a:r>
+              <a:rPr lang="de-DE" dirty="0" smtClean="0"/>
+              <a:t>Challenge: c </a:t>
+            </a:r>
+          </a:p>
+          <a:p>
+            <a:r>
+              <a:rPr lang="de-DE" dirty="0">
+                <a:sym typeface="Wingdings" pitchFamily="2" charset="2"/>
+              </a:rPr>
+              <a:t>R</a:t>
+            </a:r>
+            <a:r>
+              <a:rPr lang="de-DE" dirty="0" smtClean="0">
+                <a:sym typeface="Wingdings" pitchFamily="2" charset="2"/>
+              </a:rPr>
+              <a:t>esponse r = f(c)</a:t>
+            </a:r>
+          </a:p>
+          <a:p>
+            <a:endParaRPr lang="de-DE" dirty="0">
+              <a:sym typeface="Wingdings" pitchFamily="2" charset="2"/>
+            </a:endParaRPr>
+          </a:p>
+          <a:p>
+            <a:r>
+              <a:rPr lang="de-DE" dirty="0" smtClean="0">
+                <a:sym typeface="Wingdings" pitchFamily="2" charset="2"/>
+              </a:rPr>
+              <a:t>Hier MUX-PUF:</a:t>
+            </a:r>
+          </a:p>
+          <a:p>
+            <a:endParaRPr lang="de-DE" dirty="0">
+              <a:sym typeface="Wingdings" pitchFamily="2" charset="2"/>
+            </a:endParaRPr>
+          </a:p>
+          <a:p>
+            <a:endParaRPr lang="de-DE" dirty="0" smtClean="0"/>
+          </a:p>
+          <a:p>
+            <a:endParaRPr lang="de-DE" dirty="0"/>
+          </a:p>
+          <a:p>
+            <a:endParaRPr lang="de-DE" dirty="0" smtClean="0"/>
+          </a:p>
+          <a:p>
+            <a:endParaRPr lang="de-DE" dirty="0"/>
+          </a:p>
+          <a:p>
+            <a:endParaRPr lang="de-DE" dirty="0" smtClean="0"/>
+          </a:p>
+          <a:p>
+            <a:pPr marL="285750" indent="-285750">
+              <a:buFont typeface="Symbol" pitchFamily="18" charset="2"/>
+              <a:buChar char="-"/>
+            </a:pPr>
+            <a:r>
+              <a:rPr lang="de-DE" dirty="0" smtClean="0"/>
+              <a:t>Für jede Challenge hat ein (integrierter) Schaltkreis die gleiche Respone</a:t>
+            </a:r>
+          </a:p>
+          <a:p>
+            <a:pPr marL="285750" indent="-285750">
+              <a:buFont typeface="Symbol" pitchFamily="18" charset="2"/>
+              <a:buChar char="-"/>
+            </a:pPr>
+            <a:r>
+              <a:rPr lang="de-DE" dirty="0" smtClean="0"/>
+              <a:t>Für jede Challenge haben unterschiedliche (integrierte) Schaltkreise unterschiedliche Responses</a:t>
+            </a:r>
+            <a:endParaRPr lang="de-DE" dirty="0"/>
+          </a:p>
+        </p:txBody>
+      </p:sp>
+      <p:sp>
+        <p:nvSpPr>
+          <p:cNvPr id="4" name="Footer Placeholder 3"/>
+          <p:cNvSpPr>
+            <a:spLocks noGrp="1"/>
+          </p:cNvSpPr>
+          <p:nvPr>
+            <p:ph type="ftr" sz="quarter" idx="10"/>
+          </p:nvPr>
+        </p:nvSpPr>
+        <p:spPr/>
+        <p:txBody>
+          <a:bodyPr/>
+          <a:lstStyle/>
+          <a:p>
+            <a:r>
+              <a:rPr lang="de-DE" smtClean="0"/>
+              <a:t>Titel, Datum</a:t>
+            </a:r>
+            <a:endParaRPr lang="de-DE"/>
+          </a:p>
+        </p:txBody>
+      </p:sp>
+      <p:pic>
+        <p:nvPicPr>
+          <p:cNvPr id="2050" name="Picture 2"/>
+          <p:cNvPicPr>
+            <a:picLocks noChangeAspect="1" noChangeArrowheads="1"/>
+          </p:cNvPicPr>
+          <p:nvPr/>
+        </p:nvPicPr>
+        <p:blipFill>
+          <a:blip r:embed="rId2">
+            <a:extLst>
+              <a:ext uri="{28A0092B-C50C-407E-A947-70E740481C1C}">
+                <a14:useLocalDpi xmlns:a14="http://schemas.microsoft.com/office/drawing/2010/main" val="0"/>
+              </a:ext>
+            </a:extLst>
+          </a:blip>
+          <a:srcRect/>
+          <a:stretch>
+            <a:fillRect/>
+          </a:stretch>
+        </p:blipFill>
+        <p:spPr bwMode="auto">
+          <a:xfrm>
+            <a:off x="1747331" y="3190664"/>
+            <a:ext cx="5762625" cy="1285875"/>
+          </a:xfrm>
+          <a:prstGeom prst="rect">
+            <a:avLst/>
+          </a:prstGeom>
+          <a:noFill/>
+          <a:ln>
+            <a:noFill/>
+          </a:ln>
+          <a:effectLst/>
+          <a:extLst>
+            <a:ext uri="{909E8E84-426E-40DD-AFC4-6F175D3DCCD1}">
+              <a14:hiddenFill xmlns:a14="http://schemas.microsoft.com/office/drawing/2010/main">
+                <a:solidFill>
+                  <a:schemeClr val="accent1"/>
+                </a:solidFill>
+              </a14:hiddenFill>
+            </a:ext>
+            <a:ext uri="{91240B29-F687-4F45-9708-019B960494DF}">
+              <a14:hiddenLine xmlns:a14="http://schemas.microsoft.com/office/drawing/2010/main" w="9525">
+                <a:solidFill>
+                  <a:schemeClr val="tx1"/>
+                </a:solidFill>
+                <a:miter lim="800000"/>
+                <a:headEnd/>
+                <a:tailEnd/>
+              </a14:hiddenLine>
+            </a:ext>
+            <a:ext uri="{AF507438-7753-43E0-B8FC-AC1667EBCBE1}">
+              <a14:hiddenEffects xmlns:a14="http://schemas.microsoft.com/office/drawing/2010/main">
+                <a:effectLst>
+                  <a:outerShdw dist="35921" dir="2700000" algn="ctr" rotWithShape="0">
+                    <a:schemeClr val="bg2"/>
+                  </a:outerShdw>
+                </a:effectLst>
+              </a14:hiddenEffects>
+            </a:ext>
+          </a:extLst>
+        </p:spPr>
+      </p:pic>
+      <p:sp>
+        <p:nvSpPr>
+          <p:cNvPr id="5" name="Rectangle 4"/>
+          <p:cNvSpPr/>
+          <p:nvPr/>
+        </p:nvSpPr>
+        <p:spPr>
+          <a:xfrm>
+            <a:off x="1747331" y="4573757"/>
+            <a:ext cx="4572000" cy="184666"/>
+          </a:xfrm>
+          <a:prstGeom prst="rect">
+            <a:avLst/>
+          </a:prstGeom>
+        </p:spPr>
+        <p:txBody>
+          <a:bodyPr>
+            <a:spAutoFit/>
+          </a:bodyPr>
+          <a:lstStyle/>
+          <a:p>
+            <a:r>
+              <a:rPr lang="de-DE" sz="600" dirty="0" smtClean="0"/>
+              <a:t>Quelle: </a:t>
+            </a:r>
+            <a:r>
+              <a:rPr lang="de-DE" sz="600" dirty="0" smtClean="0"/>
+              <a:t>MUX-PUF</a:t>
+            </a:r>
+          </a:p>
+        </p:txBody>
+      </p:sp>
+    </p:spTree>
+    <p:extLst>
+      <p:ext uri="{BB962C8B-B14F-4D97-AF65-F5344CB8AC3E}">
+        <p14:creationId xmlns:p14="http://schemas.microsoft.com/office/powerpoint/2010/main" val="997003890"/>
+      </p:ext>
+    </p:extLst>
+  </p:cSld>
+  <p:clrMapOvr>
+    <a:masterClrMapping/>
+  </p:clrMapOvr>
+  <p:transition spd="slow"/>
+</p:sld>
+</file>
+
+<file path=ppt/slides/slide21.xml><?xml version="1.0" encoding="utf-8"?>
+<p:sld xmlns:a="http://schemas.openxmlformats.org/drawingml/2006/main" xmlns:r="http://schemas.openxmlformats.org/officeDocument/2006/relationships" xmlns:p="http://schemas.openxmlformats.org/presentationml/2006/main">
+  <p:cSld>
+    <p:spTree>
+      <p:nvGrpSpPr>
+        <p:cNvPr id="1" name=""/>
+        <p:cNvGrpSpPr/>
+        <p:nvPr/>
+      </p:nvGrpSpPr>
+      <p:grpSpPr>
+        <a:xfrm>
+          <a:off x="0" y="0"/>
+          <a:ext cx="0" cy="0"/>
+          <a:chOff x="0" y="0"/>
+          <a:chExt cx="0" cy="0"/>
+        </a:xfrm>
+      </p:grpSpPr>
+      <p:sp>
+        <p:nvSpPr>
+          <p:cNvPr id="2" name="Title 1"/>
+          <p:cNvSpPr>
+            <a:spLocks noGrp="1"/>
+          </p:cNvSpPr>
+          <p:nvPr>
+            <p:ph type="title"/>
+          </p:nvPr>
+        </p:nvSpPr>
+        <p:spPr/>
+        <p:txBody>
+          <a:bodyPr/>
+          <a:lstStyle/>
+          <a:p>
+            <a:r>
+              <a:rPr lang="de-DE" dirty="0" smtClean="0"/>
+              <a:t>Was bedeutet dies für das Gerät?</a:t>
+            </a:r>
+            <a:endParaRPr lang="de-DE" dirty="0"/>
+          </a:p>
+        </p:txBody>
+      </p:sp>
+      <p:sp>
+        <p:nvSpPr>
+          <p:cNvPr id="3" name="Content Placeholder 2"/>
+          <p:cNvSpPr>
+            <a:spLocks noGrp="1"/>
+          </p:cNvSpPr>
+          <p:nvPr>
+            <p:ph idx="1"/>
+          </p:nvPr>
+        </p:nvSpPr>
+        <p:spPr/>
+        <p:txBody>
+          <a:bodyPr/>
+          <a:lstStyle/>
+          <a:p>
+            <a:pPr marL="285750" indent="-285750">
+              <a:buFont typeface="Symbol" pitchFamily="18" charset="2"/>
+              <a:buChar char="-"/>
+            </a:pPr>
+            <a:r>
+              <a:rPr lang="de-DE" dirty="0" smtClean="0"/>
+              <a:t>Ein Gerät könnte mit PUFs die eigenen Komponenten im besten Fall identifizieren</a:t>
+            </a:r>
+          </a:p>
+          <a:p>
+            <a:pPr marL="285750" indent="-285750">
+              <a:buFont typeface="Symbol" pitchFamily="18" charset="2"/>
+              <a:buChar char="-"/>
+            </a:pPr>
+            <a:endParaRPr lang="de-DE" dirty="0"/>
+          </a:p>
+          <a:p>
+            <a:pPr marL="285750" indent="-285750">
+              <a:buFont typeface="Symbol" pitchFamily="18" charset="2"/>
+              <a:buChar char="-"/>
+            </a:pPr>
+            <a:r>
+              <a:rPr lang="de-DE" dirty="0" smtClean="0"/>
+              <a:t>Es entstehen also Geräte, die in der Produktion auf Verwendung von originalen Teilen geprüft werden können</a:t>
+            </a:r>
+          </a:p>
+          <a:p>
+            <a:pPr marL="285750" indent="-285750">
+              <a:buFont typeface="Symbol" pitchFamily="18" charset="2"/>
+              <a:buChar char="-"/>
+            </a:pPr>
+            <a:endParaRPr lang="de-DE" dirty="0"/>
+          </a:p>
+          <a:p>
+            <a:pPr marL="285750" indent="-285750">
+              <a:buFont typeface="Symbol" pitchFamily="18" charset="2"/>
+              <a:buChar char="-"/>
+            </a:pPr>
+            <a:r>
+              <a:rPr lang="de-DE" dirty="0" smtClean="0"/>
+              <a:t>Diebstahl oder Manipulation wird dadurch erschwert!</a:t>
+            </a:r>
+          </a:p>
+        </p:txBody>
+      </p:sp>
+      <p:sp>
+        <p:nvSpPr>
+          <p:cNvPr id="4" name="Footer Placeholder 3"/>
+          <p:cNvSpPr>
+            <a:spLocks noGrp="1"/>
+          </p:cNvSpPr>
+          <p:nvPr>
+            <p:ph type="ftr" sz="quarter" idx="10"/>
+          </p:nvPr>
+        </p:nvSpPr>
+        <p:spPr/>
+        <p:txBody>
+          <a:bodyPr/>
+          <a:lstStyle/>
+          <a:p>
+            <a:r>
+              <a:rPr lang="de-DE" smtClean="0"/>
+              <a:t>Titel, Datum</a:t>
+            </a:r>
+            <a:endParaRPr lang="de-DE"/>
+          </a:p>
+        </p:txBody>
+      </p:sp>
+    </p:spTree>
+    <p:extLst>
+      <p:ext uri="{BB962C8B-B14F-4D97-AF65-F5344CB8AC3E}">
+        <p14:creationId xmlns:p14="http://schemas.microsoft.com/office/powerpoint/2010/main" val="714798783"/>
+      </p:ext>
+    </p:extLst>
+  </p:cSld>
+  <p:clrMapOvr>
+    <a:masterClrMapping/>
+  </p:clrMapOvr>
+  <p:transition spd="slow"/>
+</p:sld>
+</file>
+
+<file path=ppt/slides/slide22.xml><?xml version="1.0" encoding="utf-8"?>
+<p:sld xmlns:a="http://schemas.openxmlformats.org/drawingml/2006/main" xmlns:r="http://schemas.openxmlformats.org/officeDocument/2006/relationships" xmlns:p="http://schemas.openxmlformats.org/presentationml/2006/main">
+  <p:cSld>
+    <p:spTree>
+      <p:nvGrpSpPr>
+        <p:cNvPr id="1" name=""/>
+        <p:cNvGrpSpPr/>
+        <p:nvPr/>
+      </p:nvGrpSpPr>
+      <p:grpSpPr>
+        <a:xfrm>
+          <a:off x="0" y="0"/>
+          <a:ext cx="0" cy="0"/>
+          <a:chOff x="0" y="0"/>
+          <a:chExt cx="0" cy="0"/>
+        </a:xfrm>
+      </p:grpSpPr>
+      <p:sp>
+        <p:nvSpPr>
+          <p:cNvPr id="2" name="Title 1"/>
+          <p:cNvSpPr>
+            <a:spLocks noGrp="1"/>
+          </p:cNvSpPr>
+          <p:nvPr>
+            <p:ph type="title"/>
+          </p:nvPr>
+        </p:nvSpPr>
+        <p:spPr/>
+        <p:txBody>
+          <a:bodyPr/>
+          <a:lstStyle/>
+          <a:p>
+            <a:r>
+              <a:rPr lang="de-DE" dirty="0" smtClean="0"/>
+              <a:t>Fazit		</a:t>
+            </a:r>
+            <a:endParaRPr lang="de-DE" dirty="0"/>
+          </a:p>
+        </p:txBody>
+      </p:sp>
+      <p:sp>
+        <p:nvSpPr>
+          <p:cNvPr id="3" name="Content Placeholder 2"/>
+          <p:cNvSpPr>
+            <a:spLocks noGrp="1"/>
+          </p:cNvSpPr>
+          <p:nvPr>
+            <p:ph idx="1"/>
+          </p:nvPr>
+        </p:nvSpPr>
+        <p:spPr/>
+        <p:txBody>
+          <a:bodyPr/>
+          <a:lstStyle/>
+          <a:p>
+            <a:pPr marL="285750" indent="-285750">
+              <a:buFont typeface="Symbol" pitchFamily="18" charset="2"/>
+              <a:buChar char="-"/>
+            </a:pPr>
+            <a:endParaRPr lang="de-DE" dirty="0" smtClean="0"/>
+          </a:p>
+          <a:p>
+            <a:endParaRPr lang="de-DE" dirty="0" smtClean="0"/>
+          </a:p>
+          <a:p>
+            <a:pPr marL="285750" indent="-285750">
+              <a:buFont typeface="Symbol" pitchFamily="18" charset="2"/>
+              <a:buChar char="-"/>
+            </a:pPr>
+            <a:r>
+              <a:rPr lang="de-DE" dirty="0" smtClean="0"/>
+              <a:t>Industrie 4.0 erbt Schwachstellen aus den beiden IT-Bereichen</a:t>
+            </a:r>
+          </a:p>
+          <a:p>
+            <a:pPr marL="285750" indent="-285750">
+              <a:buFont typeface="Symbol" pitchFamily="18" charset="2"/>
+              <a:buChar char="-"/>
+            </a:pPr>
+            <a:endParaRPr lang="de-DE" dirty="0" smtClean="0"/>
+          </a:p>
+          <a:p>
+            <a:pPr marL="285750" indent="-285750">
+              <a:buFont typeface="Symbol" pitchFamily="18" charset="2"/>
+              <a:buChar char="-"/>
+            </a:pPr>
+            <a:r>
+              <a:rPr lang="de-DE" dirty="0" smtClean="0"/>
+              <a:t>Neue Sicherheitsanforderungen müssen beide schützen</a:t>
+            </a:r>
+          </a:p>
+          <a:p>
+            <a:pPr marL="285750" indent="-285750">
+              <a:buFont typeface="Symbol" pitchFamily="18" charset="2"/>
+              <a:buChar char="-"/>
+            </a:pPr>
+            <a:endParaRPr lang="de-DE" dirty="0" smtClean="0"/>
+          </a:p>
+          <a:p>
+            <a:pPr marL="285750" indent="-285750">
+              <a:buFont typeface="Symbol" pitchFamily="18" charset="2"/>
+              <a:buChar char="-"/>
+            </a:pPr>
+            <a:r>
+              <a:rPr lang="de-DE" dirty="0" smtClean="0"/>
+              <a:t>Schutz der Bauteile, der Kommunikation und der Cloud als zentrale Verwaltung</a:t>
+            </a:r>
+          </a:p>
+          <a:p>
+            <a:pPr marL="285750" indent="-285750">
+              <a:buFont typeface="Symbol" pitchFamily="18" charset="2"/>
+              <a:buChar char="-"/>
+            </a:pPr>
+            <a:endParaRPr lang="de-DE" dirty="0" smtClean="0"/>
+          </a:p>
+          <a:p>
+            <a:pPr marL="285750" indent="-285750">
+              <a:buFont typeface="Symbol" pitchFamily="18" charset="2"/>
+              <a:buChar char="-"/>
+            </a:pPr>
+            <a:r>
+              <a:rPr lang="de-DE" dirty="0" smtClean="0"/>
+              <a:t>Viele Bereiche müssen noch optimiert werden, Forschungsbedarf!</a:t>
+            </a:r>
+            <a:endParaRPr lang="de-DE" dirty="0"/>
+          </a:p>
+        </p:txBody>
+      </p:sp>
+      <p:sp>
+        <p:nvSpPr>
+          <p:cNvPr id="4" name="Footer Placeholder 3"/>
+          <p:cNvSpPr>
+            <a:spLocks noGrp="1"/>
+          </p:cNvSpPr>
+          <p:nvPr>
+            <p:ph type="ftr" sz="quarter" idx="10"/>
+          </p:nvPr>
+        </p:nvSpPr>
+        <p:spPr/>
+        <p:txBody>
+          <a:bodyPr/>
+          <a:lstStyle/>
+          <a:p>
+            <a:r>
+              <a:rPr lang="de-DE" smtClean="0"/>
+              <a:t>Titel, Datum</a:t>
+            </a:r>
+            <a:endParaRPr lang="de-DE"/>
+          </a:p>
+        </p:txBody>
+      </p:sp>
+    </p:spTree>
+    <p:extLst>
+      <p:ext uri="{BB962C8B-B14F-4D97-AF65-F5344CB8AC3E}">
+        <p14:creationId xmlns:p14="http://schemas.microsoft.com/office/powerpoint/2010/main" val="3186542832"/>
+      </p:ext>
+    </p:extLst>
+  </p:cSld>
+  <p:clrMapOvr>
+    <a:masterClrMapping/>
+  </p:clrMapOvr>
+  <p:transition spd="slow"/>
+</p:sld>
+</file>
+
+<file path=ppt/slides/slide23.xml><?xml version="1.0" encoding="utf-8"?>
+<p:sld xmlns:a="http://schemas.openxmlformats.org/drawingml/2006/main" xmlns:r="http://schemas.openxmlformats.org/officeDocument/2006/relationships" xmlns:p="http://schemas.openxmlformats.org/presentationml/2006/main">
+  <p:cSld>
+    <p:spTree>
+      <p:nvGrpSpPr>
+        <p:cNvPr id="1" name=""/>
+        <p:cNvGrpSpPr/>
+        <p:nvPr/>
+      </p:nvGrpSpPr>
+      <p:grpSpPr>
+        <a:xfrm>
+          <a:off x="0" y="0"/>
+          <a:ext cx="0" cy="0"/>
+          <a:chOff x="0" y="0"/>
+          <a:chExt cx="0" cy="0"/>
+        </a:xfrm>
+      </p:grpSpPr>
+      <p:sp>
+        <p:nvSpPr>
+          <p:cNvPr id="2" name="Title 1"/>
+          <p:cNvSpPr>
+            <a:spLocks noGrp="1"/>
+          </p:cNvSpPr>
+          <p:nvPr>
+            <p:ph type="title"/>
+          </p:nvPr>
+        </p:nvSpPr>
+        <p:spPr/>
+        <p:txBody>
+          <a:bodyPr/>
+          <a:lstStyle/>
+          <a:p>
+            <a:r>
+              <a:rPr lang="de-DE" dirty="0" smtClean="0"/>
+              <a:t>Quellen</a:t>
+            </a:r>
+            <a:endParaRPr lang="de-DE" dirty="0"/>
+          </a:p>
+        </p:txBody>
+      </p:sp>
+      <p:sp>
+        <p:nvSpPr>
+          <p:cNvPr id="3" name="Content Placeholder 2"/>
+          <p:cNvSpPr>
+            <a:spLocks noGrp="1"/>
+          </p:cNvSpPr>
+          <p:nvPr>
+            <p:ph idx="1"/>
+          </p:nvPr>
+        </p:nvSpPr>
+        <p:spPr>
+          <a:xfrm>
+            <a:off x="250825" y="1619250"/>
+            <a:ext cx="8763702" cy="4862513"/>
+          </a:xfrm>
+        </p:spPr>
+        <p:txBody>
+          <a:bodyPr/>
+          <a:lstStyle/>
+          <a:p>
+            <a:pPr marL="342900" indent="-342900">
+              <a:buAutoNum type="arabicParenR"/>
+            </a:pPr>
+            <a:r>
+              <a:rPr lang="de-DE" dirty="0" smtClean="0"/>
+              <a:t>Eckert C. &amp; Fallenbeck N. (2015): „Industrie </a:t>
+            </a:r>
+            <a:r>
+              <a:rPr lang="de-DE" dirty="0"/>
+              <a:t>4.0 meets </a:t>
+            </a:r>
+            <a:r>
+              <a:rPr lang="de-DE" dirty="0" smtClean="0"/>
+              <a:t>IT-Sicherheit: eine Herausforderung!“, Berlin Heidelberg 2015</a:t>
+            </a:r>
+          </a:p>
+          <a:p>
+            <a:pPr marL="342900" indent="-342900">
+              <a:buAutoNum type="arabicParenR"/>
+            </a:pPr>
+            <a:r>
+              <a:rPr lang="de-DE" dirty="0"/>
+              <a:t>Devadas, S.: Physical Unclonable Functions and Applications, </a:t>
+            </a:r>
+            <a:r>
+              <a:rPr lang="de-DE" dirty="0" smtClean="0"/>
+              <a:t>online </a:t>
+            </a:r>
+            <a:r>
+              <a:rPr lang="de-DE" dirty="0"/>
+              <a:t>unter: </a:t>
+            </a:r>
+            <a:r>
+              <a:rPr lang="de-DE" dirty="0" smtClean="0">
+                <a:hlinkClick r:id="rId2"/>
+              </a:rPr>
+              <a:t>http</a:t>
+            </a:r>
+            <a:r>
+              <a:rPr lang="de-DE" dirty="0">
+                <a:hlinkClick r:id="rId2"/>
+              </a:rPr>
+              <a:t>://</a:t>
+            </a:r>
+            <a:r>
+              <a:rPr lang="de-DE" dirty="0" smtClean="0">
+                <a:hlinkClick r:id="rId2"/>
+              </a:rPr>
+              <a:t>people.csail.mit.edu/rudolph/Teaching/Lectures/Security/Lecture-Security-PUFs-2.pdf</a:t>
+            </a:r>
+            <a:endParaRPr lang="de-DE" dirty="0" smtClean="0"/>
+          </a:p>
+          <a:p>
+            <a:pPr marL="342900" indent="-342900">
+              <a:buAutoNum type="arabicParenR"/>
+            </a:pPr>
+            <a:r>
+              <a:rPr lang="de-DE" dirty="0" smtClean="0"/>
+              <a:t>Wind River Systems (2015): Security in </a:t>
+            </a:r>
+            <a:r>
+              <a:rPr lang="de-DE" dirty="0"/>
+              <a:t>the Internet of Things, </a:t>
+            </a:r>
+            <a:r>
+              <a:rPr lang="de-DE" dirty="0" smtClean="0"/>
+              <a:t>online </a:t>
+            </a:r>
+            <a:r>
+              <a:rPr lang="de-DE" dirty="0"/>
+              <a:t>unter: </a:t>
+            </a:r>
+            <a:r>
+              <a:rPr lang="de-DE" dirty="0">
+                <a:hlinkClick r:id="rId3"/>
+              </a:rPr>
+              <a:t>http://</a:t>
+            </a:r>
+            <a:r>
+              <a:rPr lang="de-DE" dirty="0" smtClean="0">
+                <a:hlinkClick r:id="rId3"/>
+              </a:rPr>
+              <a:t>www.windriver.com/whitepapers/security-in-the-internet-of-things/wr_security-in-the-internet-of-things.pdf</a:t>
+            </a:r>
+            <a:endParaRPr lang="de-DE" dirty="0" smtClean="0"/>
+          </a:p>
+          <a:p>
+            <a:pPr marL="342900" indent="-342900">
+              <a:buAutoNum type="arabicParenR"/>
+            </a:pPr>
+            <a:r>
+              <a:rPr lang="de-DE" dirty="0" smtClean="0"/>
+              <a:t>Anoop MS (2008): Security needs in </a:t>
+            </a:r>
+            <a:r>
+              <a:rPr lang="de-DE" dirty="0"/>
+              <a:t>Embedded Systems, online unter: </a:t>
+            </a:r>
+            <a:r>
+              <a:rPr lang="de-DE" dirty="0">
+                <a:hlinkClick r:id="rId4"/>
+              </a:rPr>
+              <a:t>https://</a:t>
+            </a:r>
+            <a:r>
+              <a:rPr lang="de-DE" dirty="0" smtClean="0">
+                <a:hlinkClick r:id="rId4"/>
+              </a:rPr>
+              <a:t>eprint.iacr.org/2008/198.pdf</a:t>
+            </a:r>
+            <a:endParaRPr lang="de-DE" dirty="0" smtClean="0"/>
+          </a:p>
+          <a:p>
+            <a:pPr marL="342900" indent="-342900">
+              <a:buAutoNum type="arabicParenR"/>
+            </a:pPr>
+            <a:r>
+              <a:rPr lang="de-DE" dirty="0" smtClean="0"/>
+              <a:t>Channelpartner: </a:t>
+            </a:r>
+            <a:r>
+              <a:rPr lang="de-DE" dirty="0" smtClean="0">
+                <a:hlinkClick r:id="rId5"/>
+              </a:rPr>
+              <a:t>http</a:t>
+            </a:r>
+            <a:r>
+              <a:rPr lang="de-DE" dirty="0">
+                <a:hlinkClick r:id="rId5"/>
+              </a:rPr>
+              <a:t>://</a:t>
+            </a:r>
+            <a:r>
+              <a:rPr lang="de-DE" dirty="0" smtClean="0">
+                <a:hlinkClick r:id="rId5"/>
+              </a:rPr>
+              <a:t>www.channelpartner.de/a/security-services-fuer-industrie-4-0,3044992</a:t>
+            </a:r>
+            <a:endParaRPr lang="de-DE" dirty="0" smtClean="0"/>
+          </a:p>
+          <a:p>
+            <a:pPr marL="342900" indent="-342900">
+              <a:buAutoNum type="arabicParenR"/>
+            </a:pPr>
+            <a:r>
+              <a:rPr lang="de-DE" dirty="0" smtClean="0"/>
+              <a:t>Eckert C. </a:t>
+            </a:r>
+            <a:r>
+              <a:rPr lang="de-DE" dirty="0"/>
+              <a:t>(2014): IT-Sicherheit und Industrie 4.0, online unter: </a:t>
+            </a:r>
+            <a:r>
+              <a:rPr lang="de-DE" dirty="0">
+                <a:hlinkClick r:id="rId6"/>
+              </a:rPr>
+              <a:t>http://</a:t>
+            </a:r>
+            <a:r>
+              <a:rPr lang="de-DE" dirty="0" smtClean="0">
+                <a:hlinkClick r:id="rId6"/>
+              </a:rPr>
+              <a:t>www.i40.de/wp/wp-content/uploads/2015/04/IT-Sicherheit-und-Industrie-4.0.pdf</a:t>
+            </a:r>
+            <a:endParaRPr lang="de-DE" dirty="0" smtClean="0"/>
+          </a:p>
+          <a:p>
+            <a:pPr marL="342900" indent="-342900">
+              <a:buAutoNum type="arabicParenR"/>
+            </a:pPr>
+            <a:r>
+              <a:rPr lang="de-DE" smtClean="0"/>
+              <a:t>MUX-PUF</a:t>
+            </a:r>
+            <a:r>
+              <a:rPr lang="de-DE" dirty="0" smtClean="0"/>
+              <a:t>: online unter: </a:t>
+            </a:r>
+            <a:r>
+              <a:rPr lang="de-DE" dirty="0" smtClean="0">
+                <a:hlinkClick r:id="rId7"/>
+              </a:rPr>
+              <a:t>http</a:t>
+            </a:r>
+            <a:r>
+              <a:rPr lang="de-DE" dirty="0">
+                <a:hlinkClick r:id="rId7"/>
+              </a:rPr>
+              <a:t>://</a:t>
+            </a:r>
+            <a:r>
+              <a:rPr lang="de-DE" dirty="0" smtClean="0">
+                <a:hlinkClick r:id="rId7"/>
+              </a:rPr>
+              <a:t>studiopresence.com/client/verayo/technology</a:t>
+            </a:r>
+            <a:endParaRPr lang="de-DE" dirty="0" smtClean="0"/>
+          </a:p>
+          <a:p>
+            <a:pPr marL="342900" indent="-342900">
+              <a:buAutoNum type="arabicParenR"/>
+            </a:pPr>
+            <a:endParaRPr lang="de-DE" dirty="0" smtClean="0"/>
+          </a:p>
+        </p:txBody>
+      </p:sp>
+      <p:sp>
+        <p:nvSpPr>
+          <p:cNvPr id="4" name="Footer Placeholder 3"/>
+          <p:cNvSpPr>
+            <a:spLocks noGrp="1"/>
+          </p:cNvSpPr>
+          <p:nvPr>
+            <p:ph type="ftr" sz="quarter" idx="10"/>
+          </p:nvPr>
+        </p:nvSpPr>
+        <p:spPr/>
+        <p:txBody>
+          <a:bodyPr/>
+          <a:lstStyle/>
+          <a:p>
+            <a:r>
+              <a:rPr lang="de-DE" smtClean="0"/>
+              <a:t>Titel, Datum</a:t>
+            </a:r>
+            <a:endParaRPr lang="de-DE"/>
+          </a:p>
+        </p:txBody>
+      </p:sp>
+    </p:spTree>
+    <p:extLst>
+      <p:ext uri="{BB962C8B-B14F-4D97-AF65-F5344CB8AC3E}">
+        <p14:creationId xmlns:p14="http://schemas.microsoft.com/office/powerpoint/2010/main" val="1451827347"/>
+      </p:ext>
+    </p:extLst>
+  </p:cSld>
+  <p:clrMapOvr>
+    <a:masterClrMapping/>
+  </p:clrMapOvr>
+  <p:transition spd="slow"/>
+</p:sld>
+</file>
+
 <file path=ppt/slides/slide3.xml><?xml version="1.0" encoding="utf-8"?>
 <p:sld xmlns:a="http://schemas.openxmlformats.org/drawingml/2006/main" xmlns:r="http://schemas.openxmlformats.org/officeDocument/2006/relationships" xmlns:p="http://schemas.openxmlformats.org/presentationml/2006/main">
   <p:cSld>
@@ -5609,8 +7368,8 @@
           <a:lstStyle/>
           <a:p>
             <a:r>
-              <a:rPr lang="de-DE" dirty="0" smtClean="0"/>
-              <a:t>Industrie 4.0 vernetzt beide IT-Bereiche, es entstehen cyberphysikalische Systeme</a:t>
+              <a:rPr lang="de-DE" sz="1700" dirty="0" smtClean="0"/>
+              <a:t>Industrie 4.0 vernetzt beide IT-Bereiche, es entstehen cyberphysikalische Systeme (CPS)</a:t>
             </a:r>
           </a:p>
           <a:p>
